--- a/Просто платформер с врагами.pptx
+++ b/Просто платформер с врагами.pptx
@@ -7,6 +7,9 @@
   <p:sldIdLst>
     <p:sldId id="256" r:id="rId2"/>
     <p:sldId id="257" r:id="rId3"/>
+    <p:sldId id="258" r:id="rId4"/>
+    <p:sldId id="259" r:id="rId5"/>
+    <p:sldId id="260" r:id="rId6"/>
   </p:sldIdLst>
   <p:sldSz cx="9144000" cy="6858000" type="screen4x3"/>
   <p:notesSz cx="6858000" cy="9144000"/>
@@ -105,6 +108,22 @@
       </a:defRPr>
     </a:lvl9pPr>
   </p:defaultTextStyle>
+  <p:extLst>
+    <p:ext uri="{EFAFB233-063F-42B5-8137-9DF3F51BA10A}">
+      <p15:sldGuideLst xmlns:p15="http://schemas.microsoft.com/office/powerpoint/2012/main">
+        <p15:guide id="1" orient="horz" pos="2160">
+          <p15:clr>
+            <a:srgbClr val="A4A3A4"/>
+          </p15:clr>
+        </p15:guide>
+        <p15:guide id="2" pos="2880">
+          <p15:clr>
+            <a:srgbClr val="A4A3A4"/>
+          </p15:clr>
+        </p15:guide>
+      </p15:sldGuideLst>
+    </p:ext>
+  </p:extLst>
 </p:presentation>
 </file>
 
@@ -195,7 +214,7 @@
           </a:lstStyle>
           <a:p>
             <a:r>
-              <a:rPr kumimoji="0" lang="ru-RU" smtClean="0"/>
+              <a:rPr kumimoji="0" lang="ru-RU"/>
               <a:t>Образец заголовка</a:t>
             </a:r>
             <a:endParaRPr kumimoji="0" lang="en-US"/>
@@ -219,7 +238,7 @@
           <a:p>
             <a:fld id="{FD3D20B7-D655-42D1-AF29-BFE2BE979D08}" type="datetimeFigureOut">
               <a:rPr lang="ru-RU" smtClean="0"/>
-              <a:t>15.01.2020</a:t>
+              <a:t>21.01.2020</a:t>
             </a:fld>
             <a:endParaRPr lang="ru-RU"/>
           </a:p>
@@ -321,7 +340,7 @@
           </a:lstStyle>
           <a:p>
             <a:r>
-              <a:rPr kumimoji="0" lang="ru-RU" smtClean="0"/>
+              <a:rPr kumimoji="0" lang="ru-RU"/>
               <a:t>Образец подзаголовка</a:t>
             </a:r>
             <a:endParaRPr kumimoji="0" lang="en-US"/>
@@ -369,7 +388,7 @@
           <a:lstStyle/>
           <a:p>
             <a:r>
-              <a:rPr kumimoji="0" lang="ru-RU" smtClean="0"/>
+              <a:rPr kumimoji="0" lang="ru-RU"/>
               <a:t>Образец заголовка</a:t>
             </a:r>
             <a:endParaRPr kumimoji="0" lang="en-US"/>
@@ -393,35 +412,35 @@
           <a:p>
             <a:pPr lvl="0" eaLnBrk="1" latinLnBrk="0" hangingPunct="1"/>
             <a:r>
-              <a:rPr lang="ru-RU" smtClean="0"/>
+              <a:rPr lang="ru-RU"/>
               <a:t>Образец текста</a:t>
             </a:r>
           </a:p>
           <a:p>
             <a:pPr lvl="1" eaLnBrk="1" latinLnBrk="0" hangingPunct="1"/>
             <a:r>
-              <a:rPr lang="ru-RU" smtClean="0"/>
+              <a:rPr lang="ru-RU"/>
               <a:t>Второй уровень</a:t>
             </a:r>
           </a:p>
           <a:p>
             <a:pPr lvl="2" eaLnBrk="1" latinLnBrk="0" hangingPunct="1"/>
             <a:r>
-              <a:rPr lang="ru-RU" smtClean="0"/>
+              <a:rPr lang="ru-RU"/>
               <a:t>Третий уровень</a:t>
             </a:r>
           </a:p>
           <a:p>
             <a:pPr lvl="3" eaLnBrk="1" latinLnBrk="0" hangingPunct="1"/>
             <a:r>
-              <a:rPr lang="ru-RU" smtClean="0"/>
+              <a:rPr lang="ru-RU"/>
               <a:t>Четвертый уровень</a:t>
             </a:r>
           </a:p>
           <a:p>
             <a:pPr lvl="4" eaLnBrk="1" latinLnBrk="0" hangingPunct="1"/>
             <a:r>
-              <a:rPr lang="ru-RU" smtClean="0"/>
+              <a:rPr lang="ru-RU"/>
               <a:t>Пятый уровень</a:t>
             </a:r>
             <a:endParaRPr kumimoji="0" lang="en-US"/>
@@ -445,7 +464,7 @@
           <a:p>
             <a:fld id="{FD3D20B7-D655-42D1-AF29-BFE2BE979D08}" type="datetimeFigureOut">
               <a:rPr lang="ru-RU" smtClean="0"/>
-              <a:t>15.01.2020</a:t>
+              <a:t>21.01.2020</a:t>
             </a:fld>
             <a:endParaRPr lang="ru-RU"/>
           </a:p>
@@ -539,7 +558,7 @@
           <a:lstStyle/>
           <a:p>
             <a:r>
-              <a:rPr kumimoji="0" lang="ru-RU" smtClean="0"/>
+              <a:rPr kumimoji="0" lang="ru-RU"/>
               <a:t>Образец заголовка</a:t>
             </a:r>
             <a:endParaRPr kumimoji="0" lang="en-US"/>
@@ -568,35 +587,35 @@
           <a:p>
             <a:pPr lvl="0" eaLnBrk="1" latinLnBrk="0" hangingPunct="1"/>
             <a:r>
-              <a:rPr lang="ru-RU" smtClean="0"/>
+              <a:rPr lang="ru-RU"/>
               <a:t>Образец текста</a:t>
             </a:r>
           </a:p>
           <a:p>
             <a:pPr lvl="1" eaLnBrk="1" latinLnBrk="0" hangingPunct="1"/>
             <a:r>
-              <a:rPr lang="ru-RU" smtClean="0"/>
+              <a:rPr lang="ru-RU"/>
               <a:t>Второй уровень</a:t>
             </a:r>
           </a:p>
           <a:p>
             <a:pPr lvl="2" eaLnBrk="1" latinLnBrk="0" hangingPunct="1"/>
             <a:r>
-              <a:rPr lang="ru-RU" smtClean="0"/>
+              <a:rPr lang="ru-RU"/>
               <a:t>Третий уровень</a:t>
             </a:r>
           </a:p>
           <a:p>
             <a:pPr lvl="3" eaLnBrk="1" latinLnBrk="0" hangingPunct="1"/>
             <a:r>
-              <a:rPr lang="ru-RU" smtClean="0"/>
+              <a:rPr lang="ru-RU"/>
               <a:t>Четвертый уровень</a:t>
             </a:r>
           </a:p>
           <a:p>
             <a:pPr lvl="4" eaLnBrk="1" latinLnBrk="0" hangingPunct="1"/>
             <a:r>
-              <a:rPr lang="ru-RU" smtClean="0"/>
+              <a:rPr lang="ru-RU"/>
               <a:t>Пятый уровень</a:t>
             </a:r>
             <a:endParaRPr kumimoji="0" lang="en-US"/>
@@ -620,7 +639,7 @@
           <a:p>
             <a:fld id="{FD3D20B7-D655-42D1-AF29-BFE2BE979D08}" type="datetimeFigureOut">
               <a:rPr lang="ru-RU" smtClean="0"/>
-              <a:t>15.01.2020</a:t>
+              <a:t>21.01.2020</a:t>
             </a:fld>
             <a:endParaRPr lang="ru-RU"/>
           </a:p>
@@ -709,7 +728,7 @@
           <a:lstStyle/>
           <a:p>
             <a:r>
-              <a:rPr kumimoji="0" lang="ru-RU" smtClean="0"/>
+              <a:rPr kumimoji="0" lang="ru-RU"/>
               <a:t>Образец заголовка</a:t>
             </a:r>
             <a:endParaRPr kumimoji="0" lang="en-US"/>
@@ -733,35 +752,35 @@
           <a:p>
             <a:pPr lvl="0" eaLnBrk="1" latinLnBrk="0" hangingPunct="1"/>
             <a:r>
-              <a:rPr lang="ru-RU" smtClean="0"/>
+              <a:rPr lang="ru-RU"/>
               <a:t>Образец текста</a:t>
             </a:r>
           </a:p>
           <a:p>
             <a:pPr lvl="1" eaLnBrk="1" latinLnBrk="0" hangingPunct="1"/>
             <a:r>
-              <a:rPr lang="ru-RU" smtClean="0"/>
+              <a:rPr lang="ru-RU"/>
               <a:t>Второй уровень</a:t>
             </a:r>
           </a:p>
           <a:p>
             <a:pPr lvl="2" eaLnBrk="1" latinLnBrk="0" hangingPunct="1"/>
             <a:r>
-              <a:rPr lang="ru-RU" smtClean="0"/>
+              <a:rPr lang="ru-RU"/>
               <a:t>Третий уровень</a:t>
             </a:r>
           </a:p>
           <a:p>
             <a:pPr lvl="3" eaLnBrk="1" latinLnBrk="0" hangingPunct="1"/>
             <a:r>
-              <a:rPr lang="ru-RU" smtClean="0"/>
+              <a:rPr lang="ru-RU"/>
               <a:t>Четвертый уровень</a:t>
             </a:r>
           </a:p>
           <a:p>
             <a:pPr lvl="4" eaLnBrk="1" latinLnBrk="0" hangingPunct="1"/>
             <a:r>
-              <a:rPr lang="ru-RU" smtClean="0"/>
+              <a:rPr lang="ru-RU"/>
               <a:t>Пятый уровень</a:t>
             </a:r>
             <a:endParaRPr kumimoji="0" lang="en-US"/>
@@ -785,7 +804,7 @@
           <a:p>
             <a:fld id="{FD3D20B7-D655-42D1-AF29-BFE2BE979D08}" type="datetimeFigureOut">
               <a:rPr lang="ru-RU" smtClean="0"/>
-              <a:t>15.01.2020</a:t>
+              <a:t>21.01.2020</a:t>
             </a:fld>
             <a:endParaRPr lang="ru-RU"/>
           </a:p>
@@ -928,7 +947,7 @@
           </a:lstStyle>
           <a:p>
             <a:r>
-              <a:rPr kumimoji="0" lang="ru-RU" smtClean="0"/>
+              <a:rPr kumimoji="0" lang="ru-RU"/>
               <a:t>Образец заголовка</a:t>
             </a:r>
             <a:endParaRPr kumimoji="0" lang="en-US"/>
@@ -1006,7 +1025,7 @@
           <a:p>
             <a:pPr lvl="0" eaLnBrk="1" latinLnBrk="0" hangingPunct="1"/>
             <a:r>
-              <a:rPr kumimoji="0" lang="ru-RU" smtClean="0"/>
+              <a:rPr kumimoji="0" lang="ru-RU"/>
               <a:t>Образец текста</a:t>
             </a:r>
           </a:p>
@@ -1029,7 +1048,7 @@
           <a:p>
             <a:fld id="{FD3D20B7-D655-42D1-AF29-BFE2BE979D08}" type="datetimeFigureOut">
               <a:rPr lang="ru-RU" smtClean="0"/>
-              <a:t>15.01.2020</a:t>
+              <a:t>21.01.2020</a:t>
             </a:fld>
             <a:endParaRPr lang="ru-RU"/>
           </a:p>
@@ -1123,7 +1142,7 @@
           <a:lstStyle/>
           <a:p>
             <a:r>
-              <a:rPr kumimoji="0" lang="ru-RU" smtClean="0"/>
+              <a:rPr kumimoji="0" lang="ru-RU"/>
               <a:t>Образец заголовка</a:t>
             </a:r>
             <a:endParaRPr kumimoji="0" lang="en-US"/>
@@ -1168,35 +1187,35 @@
           <a:p>
             <a:pPr lvl="0" eaLnBrk="1" latinLnBrk="0" hangingPunct="1"/>
             <a:r>
-              <a:rPr lang="ru-RU" smtClean="0"/>
+              <a:rPr lang="ru-RU"/>
               <a:t>Образец текста</a:t>
             </a:r>
           </a:p>
           <a:p>
             <a:pPr lvl="1" eaLnBrk="1" latinLnBrk="0" hangingPunct="1"/>
             <a:r>
-              <a:rPr lang="ru-RU" smtClean="0"/>
+              <a:rPr lang="ru-RU"/>
               <a:t>Второй уровень</a:t>
             </a:r>
           </a:p>
           <a:p>
             <a:pPr lvl="2" eaLnBrk="1" latinLnBrk="0" hangingPunct="1"/>
             <a:r>
-              <a:rPr lang="ru-RU" smtClean="0"/>
+              <a:rPr lang="ru-RU"/>
               <a:t>Третий уровень</a:t>
             </a:r>
           </a:p>
           <a:p>
             <a:pPr lvl="3" eaLnBrk="1" latinLnBrk="0" hangingPunct="1"/>
             <a:r>
-              <a:rPr lang="ru-RU" smtClean="0"/>
+              <a:rPr lang="ru-RU"/>
               <a:t>Четвертый уровень</a:t>
             </a:r>
           </a:p>
           <a:p>
             <a:pPr lvl="4" eaLnBrk="1" latinLnBrk="0" hangingPunct="1"/>
             <a:r>
-              <a:rPr lang="ru-RU" smtClean="0"/>
+              <a:rPr lang="ru-RU"/>
               <a:t>Пятый уровень</a:t>
             </a:r>
             <a:endParaRPr kumimoji="0" lang="en-US"/>
@@ -1241,35 +1260,35 @@
           <a:p>
             <a:pPr lvl="0" eaLnBrk="1" latinLnBrk="0" hangingPunct="1"/>
             <a:r>
-              <a:rPr lang="ru-RU" smtClean="0"/>
+              <a:rPr lang="ru-RU"/>
               <a:t>Образец текста</a:t>
             </a:r>
           </a:p>
           <a:p>
             <a:pPr lvl="1" eaLnBrk="1" latinLnBrk="0" hangingPunct="1"/>
             <a:r>
-              <a:rPr lang="ru-RU" smtClean="0"/>
+              <a:rPr lang="ru-RU"/>
               <a:t>Второй уровень</a:t>
             </a:r>
           </a:p>
           <a:p>
             <a:pPr lvl="2" eaLnBrk="1" latinLnBrk="0" hangingPunct="1"/>
             <a:r>
-              <a:rPr lang="ru-RU" smtClean="0"/>
+              <a:rPr lang="ru-RU"/>
               <a:t>Третий уровень</a:t>
             </a:r>
           </a:p>
           <a:p>
             <a:pPr lvl="3" eaLnBrk="1" latinLnBrk="0" hangingPunct="1"/>
             <a:r>
-              <a:rPr lang="ru-RU" smtClean="0"/>
+              <a:rPr lang="ru-RU"/>
               <a:t>Четвертый уровень</a:t>
             </a:r>
           </a:p>
           <a:p>
             <a:pPr lvl="4" eaLnBrk="1" latinLnBrk="0" hangingPunct="1"/>
             <a:r>
-              <a:rPr lang="ru-RU" smtClean="0"/>
+              <a:rPr lang="ru-RU"/>
               <a:t>Пятый уровень</a:t>
             </a:r>
             <a:endParaRPr kumimoji="0" lang="en-US"/>
@@ -1293,7 +1312,7 @@
           <a:p>
             <a:fld id="{FD3D20B7-D655-42D1-AF29-BFE2BE979D08}" type="datetimeFigureOut">
               <a:rPr lang="ru-RU" smtClean="0"/>
-              <a:t>15.01.2020</a:t>
+              <a:t>21.01.2020</a:t>
             </a:fld>
             <a:endParaRPr lang="ru-RU"/>
           </a:p>
@@ -1391,7 +1410,7 @@
           </a:lstStyle>
           <a:p>
             <a:r>
-              <a:rPr kumimoji="0" lang="ru-RU" smtClean="0"/>
+              <a:rPr kumimoji="0" lang="ru-RU"/>
               <a:t>Образец заголовка</a:t>
             </a:r>
             <a:endParaRPr kumimoji="0" lang="en-US"/>
@@ -1445,7 +1464,7 @@
           <a:p>
             <a:pPr lvl="0" eaLnBrk="1" latinLnBrk="0" hangingPunct="1"/>
             <a:r>
-              <a:rPr kumimoji="0" lang="ru-RU" smtClean="0"/>
+              <a:rPr kumimoji="0" lang="ru-RU"/>
               <a:t>Образец текста</a:t>
             </a:r>
           </a:p>
@@ -1498,7 +1517,7 @@
           <a:p>
             <a:pPr lvl="0" eaLnBrk="1" latinLnBrk="0" hangingPunct="1"/>
             <a:r>
-              <a:rPr kumimoji="0" lang="ru-RU" smtClean="0"/>
+              <a:rPr kumimoji="0" lang="ru-RU"/>
               <a:t>Образец текста</a:t>
             </a:r>
           </a:p>
@@ -1542,35 +1561,35 @@
           <a:p>
             <a:pPr lvl="0" eaLnBrk="1" latinLnBrk="0" hangingPunct="1"/>
             <a:r>
-              <a:rPr lang="ru-RU" smtClean="0"/>
+              <a:rPr lang="ru-RU"/>
               <a:t>Образец текста</a:t>
             </a:r>
           </a:p>
           <a:p>
             <a:pPr lvl="1" eaLnBrk="1" latinLnBrk="0" hangingPunct="1"/>
             <a:r>
-              <a:rPr lang="ru-RU" smtClean="0"/>
+              <a:rPr lang="ru-RU"/>
               <a:t>Второй уровень</a:t>
             </a:r>
           </a:p>
           <a:p>
             <a:pPr lvl="2" eaLnBrk="1" latinLnBrk="0" hangingPunct="1"/>
             <a:r>
-              <a:rPr lang="ru-RU" smtClean="0"/>
+              <a:rPr lang="ru-RU"/>
               <a:t>Третий уровень</a:t>
             </a:r>
           </a:p>
           <a:p>
             <a:pPr lvl="3" eaLnBrk="1" latinLnBrk="0" hangingPunct="1"/>
             <a:r>
-              <a:rPr lang="ru-RU" smtClean="0"/>
+              <a:rPr lang="ru-RU"/>
               <a:t>Четвертый уровень</a:t>
             </a:r>
           </a:p>
           <a:p>
             <a:pPr lvl="4" eaLnBrk="1" latinLnBrk="0" hangingPunct="1"/>
             <a:r>
-              <a:rPr lang="ru-RU" smtClean="0"/>
+              <a:rPr lang="ru-RU"/>
               <a:t>Пятый уровень</a:t>
             </a:r>
             <a:endParaRPr kumimoji="0" lang="en-US"/>
@@ -1615,35 +1634,35 @@
           <a:p>
             <a:pPr lvl="0" eaLnBrk="1" latinLnBrk="0" hangingPunct="1"/>
             <a:r>
-              <a:rPr lang="ru-RU" smtClean="0"/>
+              <a:rPr lang="ru-RU"/>
               <a:t>Образец текста</a:t>
             </a:r>
           </a:p>
           <a:p>
             <a:pPr lvl="1" eaLnBrk="1" latinLnBrk="0" hangingPunct="1"/>
             <a:r>
-              <a:rPr lang="ru-RU" smtClean="0"/>
+              <a:rPr lang="ru-RU"/>
               <a:t>Второй уровень</a:t>
             </a:r>
           </a:p>
           <a:p>
             <a:pPr lvl="2" eaLnBrk="1" latinLnBrk="0" hangingPunct="1"/>
             <a:r>
-              <a:rPr lang="ru-RU" smtClean="0"/>
+              <a:rPr lang="ru-RU"/>
               <a:t>Третий уровень</a:t>
             </a:r>
           </a:p>
           <a:p>
             <a:pPr lvl="3" eaLnBrk="1" latinLnBrk="0" hangingPunct="1"/>
             <a:r>
-              <a:rPr lang="ru-RU" smtClean="0"/>
+              <a:rPr lang="ru-RU"/>
               <a:t>Четвертый уровень</a:t>
             </a:r>
           </a:p>
           <a:p>
             <a:pPr lvl="4" eaLnBrk="1" latinLnBrk="0" hangingPunct="1"/>
             <a:r>
-              <a:rPr lang="ru-RU" smtClean="0"/>
+              <a:rPr lang="ru-RU"/>
               <a:t>Пятый уровень</a:t>
             </a:r>
             <a:endParaRPr kumimoji="0" lang="en-US"/>
@@ -1667,7 +1686,7 @@
           <a:p>
             <a:fld id="{FD3D20B7-D655-42D1-AF29-BFE2BE979D08}" type="datetimeFigureOut">
               <a:rPr lang="ru-RU" smtClean="0"/>
-              <a:t>15.01.2020</a:t>
+              <a:t>21.01.2020</a:t>
             </a:fld>
             <a:endParaRPr lang="ru-RU"/>
           </a:p>
@@ -1756,7 +1775,7 @@
           <a:lstStyle/>
           <a:p>
             <a:r>
-              <a:rPr kumimoji="0" lang="ru-RU" smtClean="0"/>
+              <a:rPr kumimoji="0" lang="ru-RU"/>
               <a:t>Образец заголовка</a:t>
             </a:r>
             <a:endParaRPr kumimoji="0" lang="en-US"/>
@@ -1780,7 +1799,7 @@
           <a:p>
             <a:fld id="{FD3D20B7-D655-42D1-AF29-BFE2BE979D08}" type="datetimeFigureOut">
               <a:rPr lang="ru-RU" smtClean="0"/>
-              <a:t>15.01.2020</a:t>
+              <a:t>21.01.2020</a:t>
             </a:fld>
             <a:endParaRPr lang="ru-RU"/>
           </a:p>
@@ -1870,7 +1889,7 @@
           <a:p>
             <a:fld id="{FD3D20B7-D655-42D1-AF29-BFE2BE979D08}" type="datetimeFigureOut">
               <a:rPr lang="ru-RU" smtClean="0"/>
-              <a:t>15.01.2020</a:t>
+              <a:t>21.01.2020</a:t>
             </a:fld>
             <a:endParaRPr lang="ru-RU"/>
           </a:p>
@@ -1982,7 +2001,7 @@
           </a:lstStyle>
           <a:p>
             <a:r>
-              <a:rPr kumimoji="0" lang="ru-RU" smtClean="0"/>
+              <a:rPr kumimoji="0" lang="ru-RU"/>
               <a:t>Образец заголовка</a:t>
             </a:r>
             <a:endParaRPr kumimoji="0" lang="en-US"/>
@@ -2032,7 +2051,7 @@
           <a:p>
             <a:pPr lvl="0" eaLnBrk="1" latinLnBrk="0" hangingPunct="1"/>
             <a:r>
-              <a:rPr kumimoji="0" lang="ru-RU" smtClean="0"/>
+              <a:rPr kumimoji="0" lang="ru-RU"/>
               <a:t>Образец текста</a:t>
             </a:r>
           </a:p>
@@ -2076,35 +2095,35 @@
           <a:p>
             <a:pPr lvl="0" eaLnBrk="1" latinLnBrk="0" hangingPunct="1"/>
             <a:r>
-              <a:rPr lang="ru-RU" smtClean="0"/>
+              <a:rPr lang="ru-RU"/>
               <a:t>Образец текста</a:t>
             </a:r>
           </a:p>
           <a:p>
             <a:pPr lvl="1" eaLnBrk="1" latinLnBrk="0" hangingPunct="1"/>
             <a:r>
-              <a:rPr lang="ru-RU" smtClean="0"/>
+              <a:rPr lang="ru-RU"/>
               <a:t>Второй уровень</a:t>
             </a:r>
           </a:p>
           <a:p>
             <a:pPr lvl="2" eaLnBrk="1" latinLnBrk="0" hangingPunct="1"/>
             <a:r>
-              <a:rPr lang="ru-RU" smtClean="0"/>
+              <a:rPr lang="ru-RU"/>
               <a:t>Третий уровень</a:t>
             </a:r>
           </a:p>
           <a:p>
             <a:pPr lvl="3" eaLnBrk="1" latinLnBrk="0" hangingPunct="1"/>
             <a:r>
-              <a:rPr lang="ru-RU" smtClean="0"/>
+              <a:rPr lang="ru-RU"/>
               <a:t>Четвертый уровень</a:t>
             </a:r>
           </a:p>
           <a:p>
             <a:pPr lvl="4" eaLnBrk="1" latinLnBrk="0" hangingPunct="1"/>
             <a:r>
-              <a:rPr lang="ru-RU" smtClean="0"/>
+              <a:rPr lang="ru-RU"/>
               <a:t>Пятый уровень</a:t>
             </a:r>
             <a:endParaRPr kumimoji="0" lang="en-US"/>
@@ -2128,7 +2147,7 @@
           <a:p>
             <a:fld id="{FD3D20B7-D655-42D1-AF29-BFE2BE979D08}" type="datetimeFigureOut">
               <a:rPr lang="ru-RU" smtClean="0"/>
-              <a:t>15.01.2020</a:t>
+              <a:t>21.01.2020</a:t>
             </a:fld>
             <a:endParaRPr lang="ru-RU"/>
           </a:p>
@@ -2229,7 +2248,7 @@
           </a:lstStyle>
           <a:p>
             <a:r>
-              <a:rPr kumimoji="0" lang="ru-RU" smtClean="0"/>
+              <a:rPr kumimoji="0" lang="ru-RU"/>
               <a:t>Образец заголовка</a:t>
             </a:r>
             <a:endParaRPr kumimoji="0" lang="en-US"/>
@@ -2309,7 +2328,7 @@
           <a:p>
             <a:pPr marL="0" algn="l" rtl="0" eaLnBrk="1" latinLnBrk="0" hangingPunct="1"/>
             <a:r>
-              <a:rPr kumimoji="0" lang="ru-RU" smtClean="0">
+              <a:rPr kumimoji="0" lang="ru-RU">
                 <a:solidFill>
                   <a:schemeClr val="lt1"/>
                 </a:solidFill>
@@ -2369,7 +2388,7 @@
           <a:p>
             <a:pPr lvl="0" eaLnBrk="1" latinLnBrk="0" hangingPunct="1"/>
             <a:r>
-              <a:rPr kumimoji="0" lang="ru-RU" smtClean="0"/>
+              <a:rPr kumimoji="0" lang="ru-RU"/>
               <a:t>Образец текста</a:t>
             </a:r>
           </a:p>
@@ -2392,7 +2411,7 @@
           <a:p>
             <a:fld id="{FD3D20B7-D655-42D1-AF29-BFE2BE979D08}" type="datetimeFigureOut">
               <a:rPr lang="ru-RU" smtClean="0"/>
-              <a:t>15.01.2020</a:t>
+              <a:t>21.01.2020</a:t>
             </a:fld>
             <a:endParaRPr lang="ru-RU"/>
           </a:p>
@@ -2505,7 +2524,7 @@
           <a:lstStyle/>
           <a:p>
             <a:r>
-              <a:rPr kumimoji="0" lang="ru-RU" smtClean="0"/>
+              <a:rPr kumimoji="0" lang="ru-RU"/>
               <a:t>Образец заголовка</a:t>
             </a:r>
             <a:endParaRPr kumimoji="0" lang="en-US"/>
@@ -2539,35 +2558,35 @@
           <a:p>
             <a:pPr lvl="0" eaLnBrk="1" latinLnBrk="0" hangingPunct="1"/>
             <a:r>
-              <a:rPr kumimoji="0" lang="ru-RU" smtClean="0"/>
+              <a:rPr kumimoji="0" lang="ru-RU"/>
               <a:t>Образец текста</a:t>
             </a:r>
           </a:p>
           <a:p>
             <a:pPr lvl="1" eaLnBrk="1" latinLnBrk="0" hangingPunct="1"/>
             <a:r>
-              <a:rPr kumimoji="0" lang="ru-RU" smtClean="0"/>
+              <a:rPr kumimoji="0" lang="ru-RU"/>
               <a:t>Второй уровень</a:t>
             </a:r>
           </a:p>
           <a:p>
             <a:pPr lvl="2" eaLnBrk="1" latinLnBrk="0" hangingPunct="1"/>
             <a:r>
-              <a:rPr kumimoji="0" lang="ru-RU" smtClean="0"/>
+              <a:rPr kumimoji="0" lang="ru-RU"/>
               <a:t>Третий уровень</a:t>
             </a:r>
           </a:p>
           <a:p>
             <a:pPr lvl="3" eaLnBrk="1" latinLnBrk="0" hangingPunct="1"/>
             <a:r>
-              <a:rPr kumimoji="0" lang="ru-RU" smtClean="0"/>
+              <a:rPr kumimoji="0" lang="ru-RU"/>
               <a:t>Четвертый уровень</a:t>
             </a:r>
           </a:p>
           <a:p>
             <a:pPr lvl="4" eaLnBrk="1" latinLnBrk="0" hangingPunct="1"/>
             <a:r>
-              <a:rPr kumimoji="0" lang="ru-RU" smtClean="0"/>
+              <a:rPr kumimoji="0" lang="ru-RU"/>
               <a:t>Пятый уровень</a:t>
             </a:r>
             <a:endParaRPr kumimoji="0" lang="en-US"/>
@@ -2609,7 +2628,7 @@
           <a:p>
             <a:fld id="{FD3D20B7-D655-42D1-AF29-BFE2BE979D08}" type="datetimeFigureOut">
               <a:rPr lang="ru-RU" smtClean="0"/>
-              <a:t>15.01.2020</a:t>
+              <a:t>21.01.2020</a:t>
             </a:fld>
             <a:endParaRPr lang="ru-RU"/>
           </a:p>
@@ -3055,18 +3074,17 @@
           <a:lstStyle/>
           <a:p>
             <a:r>
-              <a:rPr lang="ru-RU" dirty="0" smtClean="0"/>
+              <a:rPr lang="ru-RU" dirty="0"/>
               <a:t>Просто </a:t>
             </a:r>
             <a:r>
-              <a:rPr lang="ru-RU" dirty="0" err="1" smtClean="0"/>
+              <a:rPr lang="ru-RU" dirty="0" err="1"/>
               <a:t>платформер</a:t>
             </a:r>
             <a:r>
-              <a:rPr lang="ru-RU" dirty="0" smtClean="0"/>
+              <a:rPr lang="ru-RU" dirty="0"/>
               <a:t> с врагами</a:t>
             </a:r>
-            <a:endParaRPr lang="ru-RU" dirty="0"/>
           </a:p>
         </p:txBody>
       </p:sp>
@@ -3093,14 +3111,13 @@
           <a:lstStyle/>
           <a:p>
             <a:r>
-              <a:rPr lang="ru-RU" dirty="0" err="1" smtClean="0"/>
+              <a:rPr lang="ru-RU" dirty="0" err="1"/>
               <a:t>Манторов</a:t>
             </a:r>
             <a:r>
-              <a:rPr lang="ru-RU" dirty="0" smtClean="0"/>
+              <a:rPr lang="ru-RU" dirty="0"/>
               <a:t> А</a:t>
             </a:r>
-            <a:endParaRPr lang="ru-RU" dirty="0"/>
           </a:p>
         </p:txBody>
       </p:sp>
@@ -3136,7 +3153,13 @@
       </p:grpSpPr>
       <p:sp>
         <p:nvSpPr>
-          <p:cNvPr id="2" name="Заголовок 1"/>
+          <p:cNvPr id="2" name="Заголовок 1">
+            <a:extLst>
+              <a:ext uri="{FF2B5EF4-FFF2-40B4-BE49-F238E27FC236}">
+                <a16:creationId xmlns:a16="http://schemas.microsoft.com/office/drawing/2014/main" id="{FCF222BC-49D4-4BA5-8891-6DB69283E96A}"/>
+              </a:ext>
+            </a:extLst>
+          </p:cNvPr>
           <p:cNvSpPr>
             <a:spLocks noGrp="1"/>
           </p:cNvSpPr>
@@ -3150,16 +3173,21 @@
           <a:lstStyle/>
           <a:p>
             <a:r>
-              <a:rPr lang="ru-RU" dirty="0" smtClean="0"/>
-              <a:t>Описание</a:t>
-            </a:r>
-            <a:endParaRPr lang="ru-RU" dirty="0"/>
-          </a:p>
-        </p:txBody>
-      </p:sp>
-      <p:sp>
-        <p:nvSpPr>
-          <p:cNvPr id="3" name="Объект 2"/>
+              <a:rPr lang="ru-RU" dirty="0"/>
+              <a:t>Цели</a:t>
+            </a:r>
+          </a:p>
+        </p:txBody>
+      </p:sp>
+      <p:sp>
+        <p:nvSpPr>
+          <p:cNvPr id="3" name="Объект 2">
+            <a:extLst>
+              <a:ext uri="{FF2B5EF4-FFF2-40B4-BE49-F238E27FC236}">
+                <a16:creationId xmlns:a16="http://schemas.microsoft.com/office/drawing/2014/main" id="{48B5C58A-533F-4C3C-8C4E-AAF2F753359D}"/>
+              </a:ext>
+            </a:extLst>
+          </p:cNvPr>
           <p:cNvSpPr>
             <a:spLocks noGrp="1"/>
           </p:cNvSpPr>
@@ -3173,45 +3201,16 @@
           <a:lstStyle/>
           <a:p>
             <a:r>
-              <a:rPr lang="ru-RU" dirty="0" smtClean="0"/>
-              <a:t>Классы</a:t>
-            </a:r>
-            <a:r>
-              <a:rPr lang="en-US" dirty="0" smtClean="0"/>
-              <a:t>:</a:t>
-            </a:r>
-            <a:endParaRPr lang="en-US" dirty="0"/>
-          </a:p>
-          <a:p>
-            <a:pPr lvl="1"/>
-            <a:r>
-              <a:rPr lang="ru-RU" dirty="0" smtClean="0"/>
-              <a:t>Игрок</a:t>
-            </a:r>
-          </a:p>
-          <a:p>
-            <a:pPr lvl="1"/>
-            <a:r>
-              <a:rPr lang="ru-RU" dirty="0" smtClean="0"/>
-              <a:t>Враг(скелет)</a:t>
-            </a:r>
-            <a:endParaRPr lang="ru-RU" dirty="0"/>
-          </a:p>
-          <a:p>
-            <a:r>
-              <a:rPr lang="ru-RU" dirty="0" smtClean="0"/>
-              <a:t>Технологии</a:t>
-            </a:r>
-            <a:r>
-              <a:rPr lang="en-US" dirty="0" smtClean="0"/>
-              <a:t>:</a:t>
-            </a:r>
-          </a:p>
-          <a:p>
-            <a:pPr lvl="1"/>
-            <a:r>
-              <a:rPr lang="en-US" smtClean="0"/>
-              <a:t>Pygame</a:t>
+              <a:rPr lang="ru-RU" dirty="0"/>
+              <a:t>Создать небольшой </a:t>
+            </a:r>
+            <a:r>
+              <a:rPr lang="ru-RU" dirty="0" err="1"/>
+              <a:t>платформер</a:t>
+            </a:r>
+            <a:r>
+              <a:rPr lang="ru-RU" dirty="0"/>
+              <a:t> с выбором уровней</a:t>
             </a:r>
           </a:p>
         </p:txBody>
@@ -3219,7 +3218,381 @@
     </p:spTree>
     <p:extLst>
       <p:ext uri="{BB962C8B-B14F-4D97-AF65-F5344CB8AC3E}">
-        <p14:creationId xmlns:p14="http://schemas.microsoft.com/office/powerpoint/2010/main" val="1163168106"/>
+        <p14:creationId xmlns:p14="http://schemas.microsoft.com/office/powerpoint/2010/main" val="1089447008"/>
+      </p:ext>
+    </p:extLst>
+  </p:cSld>
+  <p:clrMapOvr>
+    <a:masterClrMapping/>
+  </p:clrMapOvr>
+</p:sld>
+</file>
+
+<file path=ppt/slides/slide3.xml><?xml version="1.0" encoding="utf-8"?>
+<p:sld xmlns:a="http://schemas.openxmlformats.org/drawingml/2006/main" xmlns:r="http://schemas.openxmlformats.org/officeDocument/2006/relationships" xmlns:p="http://schemas.openxmlformats.org/presentationml/2006/main">
+  <p:cSld>
+    <p:spTree>
+      <p:nvGrpSpPr>
+        <p:cNvPr id="1" name=""/>
+        <p:cNvGrpSpPr/>
+        <p:nvPr/>
+      </p:nvGrpSpPr>
+      <p:grpSpPr>
+        <a:xfrm>
+          <a:off x="0" y="0"/>
+          <a:ext cx="0" cy="0"/>
+          <a:chOff x="0" y="0"/>
+          <a:chExt cx="0" cy="0"/>
+        </a:xfrm>
+      </p:grpSpPr>
+      <p:sp>
+        <p:nvSpPr>
+          <p:cNvPr id="2" name="Заголовок 1">
+            <a:extLst>
+              <a:ext uri="{FF2B5EF4-FFF2-40B4-BE49-F238E27FC236}">
+                <a16:creationId xmlns:a16="http://schemas.microsoft.com/office/drawing/2014/main" id="{5A0FDC37-008C-443C-A3AE-7BD74FE05259}"/>
+              </a:ext>
+            </a:extLst>
+          </p:cNvPr>
+          <p:cNvSpPr>
+            <a:spLocks noGrp="1"/>
+          </p:cNvSpPr>
+          <p:nvPr>
+            <p:ph type="title"/>
+          </p:nvPr>
+        </p:nvSpPr>
+        <p:spPr/>
+        <p:txBody>
+          <a:bodyPr/>
+          <a:lstStyle/>
+          <a:p>
+            <a:r>
+              <a:rPr lang="ru-RU" dirty="0"/>
+              <a:t>Используемые технологии</a:t>
+            </a:r>
+          </a:p>
+        </p:txBody>
+      </p:sp>
+      <p:sp>
+        <p:nvSpPr>
+          <p:cNvPr id="3" name="Объект 2">
+            <a:extLst>
+              <a:ext uri="{FF2B5EF4-FFF2-40B4-BE49-F238E27FC236}">
+                <a16:creationId xmlns:a16="http://schemas.microsoft.com/office/drawing/2014/main" id="{16F84F3B-81BC-4FE2-8C95-06B7A04B038A}"/>
+              </a:ext>
+            </a:extLst>
+          </p:cNvPr>
+          <p:cNvSpPr>
+            <a:spLocks noGrp="1"/>
+          </p:cNvSpPr>
+          <p:nvPr>
+            <p:ph idx="1"/>
+          </p:nvPr>
+        </p:nvSpPr>
+        <p:spPr/>
+        <p:txBody>
+          <a:bodyPr/>
+          <a:lstStyle/>
+          <a:p>
+            <a:r>
+              <a:rPr lang="en-US" dirty="0"/>
+              <a:t>P</a:t>
+            </a:r>
+          </a:p>
+          <a:p>
+            <a:r>
+              <a:rPr lang="en-US" dirty="0" err="1"/>
+              <a:t>ygame</a:t>
+            </a:r>
+            <a:endParaRPr lang="en-US" dirty="0"/>
+          </a:p>
+        </p:txBody>
+      </p:sp>
+    </p:spTree>
+    <p:extLst>
+      <p:ext uri="{BB962C8B-B14F-4D97-AF65-F5344CB8AC3E}">
+        <p14:creationId xmlns:p14="http://schemas.microsoft.com/office/powerpoint/2010/main" val="4006508573"/>
+      </p:ext>
+    </p:extLst>
+  </p:cSld>
+  <p:clrMapOvr>
+    <a:masterClrMapping/>
+  </p:clrMapOvr>
+</p:sld>
+</file>
+
+<file path=ppt/slides/slide4.xml><?xml version="1.0" encoding="utf-8"?>
+<p:sld xmlns:a="http://schemas.openxmlformats.org/drawingml/2006/main" xmlns:r="http://schemas.openxmlformats.org/officeDocument/2006/relationships" xmlns:p="http://schemas.openxmlformats.org/presentationml/2006/main">
+  <p:cSld>
+    <p:spTree>
+      <p:nvGrpSpPr>
+        <p:cNvPr id="1" name=""/>
+        <p:cNvGrpSpPr/>
+        <p:nvPr/>
+      </p:nvGrpSpPr>
+      <p:grpSpPr>
+        <a:xfrm>
+          <a:off x="0" y="0"/>
+          <a:ext cx="0" cy="0"/>
+          <a:chOff x="0" y="0"/>
+          <a:chExt cx="0" cy="0"/>
+        </a:xfrm>
+      </p:grpSpPr>
+      <p:sp>
+        <p:nvSpPr>
+          <p:cNvPr id="2" name="Заголовок 1">
+            <a:extLst>
+              <a:ext uri="{FF2B5EF4-FFF2-40B4-BE49-F238E27FC236}">
+                <a16:creationId xmlns:a16="http://schemas.microsoft.com/office/drawing/2014/main" id="{6950620A-5166-4BCA-A596-56EBC32491B9}"/>
+              </a:ext>
+            </a:extLst>
+          </p:cNvPr>
+          <p:cNvSpPr>
+            <a:spLocks noGrp="1"/>
+          </p:cNvSpPr>
+          <p:nvPr>
+            <p:ph type="title"/>
+          </p:nvPr>
+        </p:nvSpPr>
+        <p:spPr/>
+        <p:txBody>
+          <a:bodyPr/>
+          <a:lstStyle/>
+          <a:p>
+            <a:r>
+              <a:rPr lang="ru-RU" dirty="0"/>
+              <a:t>Структура</a:t>
+            </a:r>
+          </a:p>
+        </p:txBody>
+      </p:sp>
+      <p:sp>
+        <p:nvSpPr>
+          <p:cNvPr id="3" name="Объект 2">
+            <a:extLst>
+              <a:ext uri="{FF2B5EF4-FFF2-40B4-BE49-F238E27FC236}">
+                <a16:creationId xmlns:a16="http://schemas.microsoft.com/office/drawing/2014/main" id="{9EE2AAD1-41F5-45DC-BEE4-65D64FD4FF57}"/>
+              </a:ext>
+            </a:extLst>
+          </p:cNvPr>
+          <p:cNvSpPr>
+            <a:spLocks noGrp="1"/>
+          </p:cNvSpPr>
+          <p:nvPr>
+            <p:ph idx="1"/>
+          </p:nvPr>
+        </p:nvSpPr>
+        <p:spPr/>
+        <p:txBody>
+          <a:bodyPr/>
+          <a:lstStyle/>
+          <a:p>
+            <a:r>
+              <a:rPr lang="en-US" dirty="0"/>
+              <a:t>Main:</a:t>
+            </a:r>
+          </a:p>
+          <a:p>
+            <a:pPr lvl="1"/>
+            <a:r>
+              <a:rPr lang="ru-RU" dirty="0"/>
+              <a:t>Вспомогательные функции</a:t>
+            </a:r>
+            <a:r>
+              <a:rPr lang="en-US" dirty="0"/>
+              <a:t>:</a:t>
+            </a:r>
+          </a:p>
+          <a:p>
+            <a:pPr lvl="2"/>
+            <a:r>
+              <a:rPr lang="en-US" dirty="0"/>
+              <a:t>Load level</a:t>
+            </a:r>
+          </a:p>
+          <a:p>
+            <a:pPr lvl="2"/>
+            <a:r>
+              <a:rPr lang="en-US" dirty="0"/>
+              <a:t>Generate level</a:t>
+            </a:r>
+          </a:p>
+          <a:p>
+            <a:pPr lvl="1"/>
+            <a:r>
+              <a:rPr lang="ru-RU" dirty="0"/>
+              <a:t>Циклы</a:t>
+            </a:r>
+            <a:r>
+              <a:rPr lang="en-US" dirty="0"/>
+              <a:t>:</a:t>
+            </a:r>
+          </a:p>
+          <a:p>
+            <a:pPr lvl="2"/>
+            <a:r>
+              <a:rPr lang="ru-RU" dirty="0"/>
+              <a:t>Цикл меню</a:t>
+            </a:r>
+            <a:r>
+              <a:rPr lang="en-US" dirty="0"/>
+              <a:t>:</a:t>
+            </a:r>
+          </a:p>
+          <a:p>
+            <a:pPr lvl="3"/>
+            <a:r>
+              <a:rPr lang="ru-RU" dirty="0"/>
+              <a:t>Игровой цикл</a:t>
+            </a:r>
+            <a:endParaRPr lang="en-US" dirty="0"/>
+          </a:p>
+        </p:txBody>
+      </p:sp>
+    </p:spTree>
+    <p:extLst>
+      <p:ext uri="{BB962C8B-B14F-4D97-AF65-F5344CB8AC3E}">
+        <p14:creationId xmlns:p14="http://schemas.microsoft.com/office/powerpoint/2010/main" val="3674905770"/>
+      </p:ext>
+    </p:extLst>
+  </p:cSld>
+  <p:clrMapOvr>
+    <a:masterClrMapping/>
+  </p:clrMapOvr>
+</p:sld>
+</file>
+
+<file path=ppt/slides/slide5.xml><?xml version="1.0" encoding="utf-8"?>
+<p:sld xmlns:a="http://schemas.openxmlformats.org/drawingml/2006/main" xmlns:r="http://schemas.openxmlformats.org/officeDocument/2006/relationships" xmlns:p="http://schemas.openxmlformats.org/presentationml/2006/main">
+  <p:cSld>
+    <p:spTree>
+      <p:nvGrpSpPr>
+        <p:cNvPr id="1" name=""/>
+        <p:cNvGrpSpPr/>
+        <p:nvPr/>
+      </p:nvGrpSpPr>
+      <p:grpSpPr>
+        <a:xfrm>
+          <a:off x="0" y="0"/>
+          <a:ext cx="0" cy="0"/>
+          <a:chOff x="0" y="0"/>
+          <a:chExt cx="0" cy="0"/>
+        </a:xfrm>
+      </p:grpSpPr>
+      <p:sp>
+        <p:nvSpPr>
+          <p:cNvPr id="3" name="Объект 2">
+            <a:extLst>
+              <a:ext uri="{FF2B5EF4-FFF2-40B4-BE49-F238E27FC236}">
+                <a16:creationId xmlns:a16="http://schemas.microsoft.com/office/drawing/2014/main" id="{C141F4FF-B9FE-4457-AD64-1B578090146F}"/>
+              </a:ext>
+            </a:extLst>
+          </p:cNvPr>
+          <p:cNvSpPr>
+            <a:spLocks noGrp="1"/>
+          </p:cNvSpPr>
+          <p:nvPr>
+            <p:ph idx="1"/>
+          </p:nvPr>
+        </p:nvSpPr>
+        <p:spPr>
+          <a:xfrm>
+            <a:off x="457200" y="116632"/>
+            <a:ext cx="8229600" cy="6192728"/>
+          </a:xfrm>
+        </p:spPr>
+        <p:txBody>
+          <a:bodyPr/>
+          <a:lstStyle/>
+          <a:p>
+            <a:r>
+              <a:rPr lang="en-US" dirty="0"/>
+              <a:t>Classes:</a:t>
+            </a:r>
+          </a:p>
+          <a:p>
+            <a:pPr lvl="1"/>
+            <a:r>
+              <a:rPr lang="ru-RU" dirty="0"/>
+              <a:t>Содержит все основные константы\группы</a:t>
+            </a:r>
+            <a:r>
+              <a:rPr lang="en-US" dirty="0"/>
+              <a:t>\</a:t>
+            </a:r>
+            <a:r>
+              <a:rPr lang="ru-RU" dirty="0"/>
+              <a:t>пути к спрайтам</a:t>
+            </a:r>
+          </a:p>
+          <a:p>
+            <a:pPr lvl="1"/>
+            <a:r>
+              <a:rPr lang="ru-RU" dirty="0"/>
+              <a:t>Вспомогательные методы</a:t>
+            </a:r>
+            <a:r>
+              <a:rPr lang="en-US" dirty="0"/>
+              <a:t>:</a:t>
+            </a:r>
+          </a:p>
+          <a:p>
+            <a:pPr lvl="2"/>
+            <a:r>
+              <a:rPr lang="en-US" dirty="0"/>
+              <a:t>Load image</a:t>
+            </a:r>
+          </a:p>
+          <a:p>
+            <a:pPr lvl="1"/>
+            <a:r>
+              <a:rPr lang="ru-RU" dirty="0"/>
+              <a:t>Классы</a:t>
+            </a:r>
+            <a:r>
+              <a:rPr lang="en-US" dirty="0"/>
+              <a:t>:</a:t>
+            </a:r>
+          </a:p>
+          <a:p>
+            <a:pPr lvl="2"/>
+            <a:r>
+              <a:rPr lang="en-US" dirty="0"/>
+              <a:t>Player</a:t>
+            </a:r>
+          </a:p>
+          <a:p>
+            <a:pPr lvl="2"/>
+            <a:r>
+              <a:rPr lang="en-US" dirty="0"/>
+              <a:t>Skeleton</a:t>
+            </a:r>
+          </a:p>
+          <a:p>
+            <a:pPr lvl="2"/>
+            <a:r>
+              <a:rPr lang="en-US" dirty="0"/>
+              <a:t>Tile</a:t>
+            </a:r>
+          </a:p>
+          <a:p>
+            <a:pPr lvl="2"/>
+            <a:r>
+              <a:rPr lang="en-US" dirty="0"/>
+              <a:t>Camera</a:t>
+            </a:r>
+            <a:endParaRPr lang="ru-RU" dirty="0"/>
+          </a:p>
+          <a:p>
+            <a:pPr lvl="1"/>
+            <a:endParaRPr lang="ru-RU" dirty="0"/>
+          </a:p>
+        </p:txBody>
+      </p:sp>
+    </p:spTree>
+    <p:extLst>
+      <p:ext uri="{BB962C8B-B14F-4D97-AF65-F5344CB8AC3E}">
+        <p14:creationId xmlns:p14="http://schemas.microsoft.com/office/powerpoint/2010/main" val="893322958"/>
       </p:ext>
     </p:extLst>
   </p:cSld>
